--- a/posts/2025-03-09-data-vis-infographic/www/volc_viz.pptx
+++ b/posts/2025-03-09-data-vis-infographic/www/volc_viz.pptx
@@ -197,7 +197,7 @@
           <a:p>
             <a:fld id="{77C5DE72-A1CC-DA45-A6FB-1E2C2A227F9F}" type="datetimeFigureOut">
               <a:rPr lang="en-US" smtClean="0"/>
-              <a:t>3/9/25</a:t>
+              <a:t>3/16/25</a:t>
             </a:fld>
             <a:endParaRPr lang="en-US"/>
           </a:p>
@@ -595,7 +595,7 @@
           <a:p>
             <a:fld id="{4B8666A9-AA14-F44D-9D8B-909278E20C59}" type="datetimeFigureOut">
               <a:rPr lang="en-US" smtClean="0"/>
-              <a:t>3/9/25</a:t>
+              <a:t>3/16/25</a:t>
             </a:fld>
             <a:endParaRPr lang="en-US"/>
           </a:p>
@@ -765,7 +765,7 @@
           <a:p>
             <a:fld id="{4B8666A9-AA14-F44D-9D8B-909278E20C59}" type="datetimeFigureOut">
               <a:rPr lang="en-US" smtClean="0"/>
-              <a:t>3/9/25</a:t>
+              <a:t>3/16/25</a:t>
             </a:fld>
             <a:endParaRPr lang="en-US"/>
           </a:p>
@@ -945,7 +945,7 @@
           <a:p>
             <a:fld id="{4B8666A9-AA14-F44D-9D8B-909278E20C59}" type="datetimeFigureOut">
               <a:rPr lang="en-US" smtClean="0"/>
-              <a:t>3/9/25</a:t>
+              <a:t>3/16/25</a:t>
             </a:fld>
             <a:endParaRPr lang="en-US"/>
           </a:p>
@@ -1115,7 +1115,7 @@
           <a:p>
             <a:fld id="{4B8666A9-AA14-F44D-9D8B-909278E20C59}" type="datetimeFigureOut">
               <a:rPr lang="en-US" smtClean="0"/>
-              <a:t>3/9/25</a:t>
+              <a:t>3/16/25</a:t>
             </a:fld>
             <a:endParaRPr lang="en-US"/>
           </a:p>
@@ -1361,7 +1361,7 @@
           <a:p>
             <a:fld id="{4B8666A9-AA14-F44D-9D8B-909278E20C59}" type="datetimeFigureOut">
               <a:rPr lang="en-US" smtClean="0"/>
-              <a:t>3/9/25</a:t>
+              <a:t>3/16/25</a:t>
             </a:fld>
             <a:endParaRPr lang="en-US"/>
           </a:p>
@@ -1593,7 +1593,7 @@
           <a:p>
             <a:fld id="{4B8666A9-AA14-F44D-9D8B-909278E20C59}" type="datetimeFigureOut">
               <a:rPr lang="en-US" smtClean="0"/>
-              <a:t>3/9/25</a:t>
+              <a:t>3/16/25</a:t>
             </a:fld>
             <a:endParaRPr lang="en-US"/>
           </a:p>
@@ -1960,7 +1960,7 @@
           <a:p>
             <a:fld id="{4B8666A9-AA14-F44D-9D8B-909278E20C59}" type="datetimeFigureOut">
               <a:rPr lang="en-US" smtClean="0"/>
-              <a:t>3/9/25</a:t>
+              <a:t>3/16/25</a:t>
             </a:fld>
             <a:endParaRPr lang="en-US"/>
           </a:p>
@@ -2078,7 +2078,7 @@
           <a:p>
             <a:fld id="{4B8666A9-AA14-F44D-9D8B-909278E20C59}" type="datetimeFigureOut">
               <a:rPr lang="en-US" smtClean="0"/>
-              <a:t>3/9/25</a:t>
+              <a:t>3/16/25</a:t>
             </a:fld>
             <a:endParaRPr lang="en-US"/>
           </a:p>
@@ -2173,7 +2173,7 @@
           <a:p>
             <a:fld id="{4B8666A9-AA14-F44D-9D8B-909278E20C59}" type="datetimeFigureOut">
               <a:rPr lang="en-US" smtClean="0"/>
-              <a:t>3/9/25</a:t>
+              <a:t>3/16/25</a:t>
             </a:fld>
             <a:endParaRPr lang="en-US"/>
           </a:p>
@@ -2450,7 +2450,7 @@
           <a:p>
             <a:fld id="{4B8666A9-AA14-F44D-9D8B-909278E20C59}" type="datetimeFigureOut">
               <a:rPr lang="en-US" smtClean="0"/>
-              <a:t>3/9/25</a:t>
+              <a:t>3/16/25</a:t>
             </a:fld>
             <a:endParaRPr lang="en-US"/>
           </a:p>
@@ -2707,7 +2707,7 @@
           <a:p>
             <a:fld id="{4B8666A9-AA14-F44D-9D8B-909278E20C59}" type="datetimeFigureOut">
               <a:rPr lang="en-US" smtClean="0"/>
-              <a:t>3/9/25</a:t>
+              <a:t>3/16/25</a:t>
             </a:fld>
             <a:endParaRPr lang="en-US"/>
           </a:p>
@@ -2920,7 +2920,7 @@
           <a:p>
             <a:fld id="{4B8666A9-AA14-F44D-9D8B-909278E20C59}" type="datetimeFigureOut">
               <a:rPr lang="en-US" smtClean="0"/>
-              <a:t>3/9/25</a:t>
+              <a:t>3/16/25</a:t>
             </a:fld>
             <a:endParaRPr lang="en-US"/>
           </a:p>
@@ -3327,10 +3327,10 @@
       </p:grpSpPr>
       <p:pic>
         <p:nvPicPr>
-          <p:cNvPr id="32" name="Picture 31">
+          <p:cNvPr id="43" name="Picture 42" descr="A screenshot of a computer&#10;&#10;AI-generated content may be incorrect.">
             <a:extLst>
               <a:ext uri="{FF2B5EF4-FFF2-40B4-BE49-F238E27FC236}">
-                <a16:creationId xmlns:a16="http://schemas.microsoft.com/office/drawing/2014/main" id="{B44DEFD6-2099-9646-12E2-6338033533AD}"/>
+                <a16:creationId xmlns:a16="http://schemas.microsoft.com/office/drawing/2014/main" id="{8E7C9B2C-D103-ED42-FA1F-4A054934DE52}"/>
               </a:ext>
             </a:extLst>
           </p:cNvPr>
@@ -3341,6 +3341,35 @@
         </p:nvPicPr>
         <p:blipFill>
           <a:blip r:embed="rId2"/>
+          <a:srcRect t="610"/>
+          <a:stretch/>
+        </p:blipFill>
+        <p:spPr>
+          <a:xfrm>
+            <a:off x="-11882" y="4992791"/>
+            <a:ext cx="6858000" cy="3236878"/>
+          </a:xfrm>
+          <a:prstGeom prst="rect">
+            <a:avLst/>
+          </a:prstGeom>
+        </p:spPr>
+      </p:pic>
+      <p:pic>
+        <p:nvPicPr>
+          <p:cNvPr id="32" name="Picture 31">
+            <a:extLst>
+              <a:ext uri="{FF2B5EF4-FFF2-40B4-BE49-F238E27FC236}">
+                <a16:creationId xmlns:a16="http://schemas.microsoft.com/office/drawing/2014/main" id="{B44DEFD6-2099-9646-12E2-6338033533AD}"/>
+              </a:ext>
+            </a:extLst>
+          </p:cNvPr>
+          <p:cNvPicPr>
+            <a:picLocks noGrp="1" noRot="1" noChangeAspect="1" noMove="1" noResize="1" noEditPoints="1" noAdjustHandles="1" noChangeArrowheads="1" noChangeShapeType="1" noCrop="1"/>
+          </p:cNvPicPr>
+          <p:nvPr/>
+        </p:nvPicPr>
+        <p:blipFill>
+          <a:blip r:embed="rId3"/>
           <a:srcRect b="17365"/>
           <a:stretch/>
         </p:blipFill>
@@ -3364,12 +3393,12 @@
             </a:extLst>
           </p:cNvPr>
           <p:cNvPicPr>
-            <a:picLocks noChangeAspect="1"/>
+            <a:picLocks noGrp="1" noRot="1" noChangeAspect="1" noMove="1" noResize="1" noEditPoints="1" noAdjustHandles="1" noChangeArrowheads="1" noChangeShapeType="1" noCrop="1"/>
           </p:cNvPicPr>
           <p:nvPr/>
         </p:nvPicPr>
         <p:blipFill>
-          <a:blip r:embed="rId3"/>
+          <a:blip r:embed="rId4"/>
           <a:srcRect r="2265" b="15334"/>
           <a:stretch/>
         </p:blipFill>
@@ -3467,6 +3496,62 @@
       </p:sp>
       <p:sp>
         <p:nvSpPr>
+          <p:cNvPr id="29" name="TextBox 28">
+            <a:extLst>
+              <a:ext uri="{FF2B5EF4-FFF2-40B4-BE49-F238E27FC236}">
+                <a16:creationId xmlns:a16="http://schemas.microsoft.com/office/drawing/2014/main" id="{94F913FF-8F6A-C5EC-60F2-96582C371F11}"/>
+              </a:ext>
+            </a:extLst>
+          </p:cNvPr>
+          <p:cNvSpPr txBox="1"/>
+          <p:nvPr/>
+        </p:nvSpPr>
+        <p:spPr>
+          <a:xfrm>
+            <a:off x="2911356" y="3989830"/>
+            <a:ext cx="2969064" cy="738664"/>
+          </a:xfrm>
+          <a:prstGeom prst="rect">
+            <a:avLst/>
+          </a:prstGeom>
+          <a:noFill/>
+        </p:spPr>
+        <p:txBody>
+          <a:bodyPr wrap="square" rtlCol="0">
+            <a:spAutoFit/>
+          </a:bodyPr>
+          <a:lstStyle/>
+          <a:p>
+            <a:pPr algn="ctr"/>
+            <a:r>
+              <a:rPr lang="en-US" sz="1050" b="1" dirty="0">
+                <a:solidFill>
+                  <a:srgbClr val="C0C0C0"/>
+                </a:solidFill>
+              </a:rPr>
+              <a:t>Examples of famous composite volcanoes include Mount Ranier in Washington and Mount Fuji in Japan. </a:t>
+            </a:r>
+            <a:r>
+              <a:rPr lang="en-US" sz="1050" b="1" i="1" dirty="0">
+                <a:solidFill>
+                  <a:srgbClr val="C0C0C0"/>
+                </a:solidFill>
+              </a:rPr>
+              <a:t>But what do these volcanoes have in common</a:t>
+            </a:r>
+            <a:r>
+              <a:rPr lang="en-US" sz="1050" b="1" dirty="0">
+                <a:solidFill>
+                  <a:srgbClr val="C0C0C0"/>
+                </a:solidFill>
+              </a:rPr>
+              <a:t>?</a:t>
+            </a:r>
+          </a:p>
+        </p:txBody>
+      </p:sp>
+      <p:sp>
+        <p:nvSpPr>
           <p:cNvPr id="28" name="TextBox 27">
             <a:extLst>
               <a:ext uri="{FF2B5EF4-FFF2-40B4-BE49-F238E27FC236}">
@@ -3479,7 +3564,7 @@
         </p:nvSpPr>
         <p:spPr>
           <a:xfrm>
-            <a:off x="2191453" y="2289487"/>
+            <a:off x="1989849" y="2426904"/>
             <a:ext cx="2004391" cy="600164"/>
           </a:xfrm>
           <a:prstGeom prst="rect">
@@ -3525,10 +3610,10 @@
       </p:sp>
       <p:sp>
         <p:nvSpPr>
-          <p:cNvPr id="29" name="TextBox 28">
+          <p:cNvPr id="6" name="TextBox 5">
             <a:extLst>
               <a:ext uri="{FF2B5EF4-FFF2-40B4-BE49-F238E27FC236}">
-                <a16:creationId xmlns:a16="http://schemas.microsoft.com/office/drawing/2014/main" id="{94F913FF-8F6A-C5EC-60F2-96582C371F11}"/>
+                <a16:creationId xmlns:a16="http://schemas.microsoft.com/office/drawing/2014/main" id="{660CB082-B1DE-7B99-811F-13446B45FB27}"/>
               </a:ext>
             </a:extLst>
           </p:cNvPr>
@@ -3537,15 +3622,13 @@
         </p:nvSpPr>
         <p:spPr>
           <a:xfrm>
-            <a:off x="2913859" y="3825626"/>
-            <a:ext cx="2789934" cy="738664"/>
+            <a:off x="2737874" y="3147934"/>
+            <a:ext cx="2004392" cy="600164"/>
           </a:xfrm>
           <a:prstGeom prst="rect">
             <a:avLst/>
           </a:prstGeom>
-          <a:solidFill>
-            <a:schemeClr val="bg1"/>
-          </a:solidFill>
+          <a:noFill/>
         </p:spPr>
         <p:txBody>
           <a:bodyPr wrap="square" rtlCol="0">
@@ -3555,109 +3638,22 @@
           <a:p>
             <a:pPr algn="ctr"/>
             <a:r>
-              <a:rPr lang="en-US" sz="1050" b="1" dirty="0">
+              <a:rPr lang="en-US" sz="1100" b="1" dirty="0">
                 <a:solidFill>
                   <a:srgbClr val="C0C0C0"/>
                 </a:solidFill>
               </a:rPr>
-              <a:t>Examples of famous composite volcanoes include Mount Ranier in Washington and Mount Fuji in Japan. </a:t>
-            </a:r>
-            <a:r>
-              <a:rPr lang="en-US" sz="1050" b="1" i="1" dirty="0">
-                <a:solidFill>
-                  <a:srgbClr val="C0C0C0"/>
-                </a:solidFill>
-              </a:rPr>
-              <a:t>But what do these volcanoes have in common</a:t>
-            </a:r>
-            <a:r>
-              <a:rPr lang="en-US" sz="1050" b="1" dirty="0">
-                <a:solidFill>
-                  <a:srgbClr val="C0C0C0"/>
-                </a:solidFill>
-              </a:rPr>
-              <a:t>?</a:t>
-            </a:r>
-          </a:p>
-        </p:txBody>
-      </p:sp>
-      <p:sp>
-        <p:nvSpPr>
-          <p:cNvPr id="5" name="TextBox 4">
+              <a:t>Tall with steep sides, they are what you picture when you think of a volcano</a:t>
+            </a:r>
+          </a:p>
+        </p:txBody>
+      </p:sp>
+      <p:pic>
+        <p:nvPicPr>
+          <p:cNvPr id="12" name="Graphic 11" descr="Volcano with solid fill">
             <a:extLst>
               <a:ext uri="{FF2B5EF4-FFF2-40B4-BE49-F238E27FC236}">
-                <a16:creationId xmlns:a16="http://schemas.microsoft.com/office/drawing/2014/main" id="{ABE83587-4423-8D3D-BAB8-11520DE78AB7}"/>
-              </a:ext>
-            </a:extLst>
-          </p:cNvPr>
-          <p:cNvSpPr txBox="1"/>
-          <p:nvPr/>
-        </p:nvSpPr>
-        <p:spPr>
-          <a:xfrm>
-            <a:off x="3043307" y="2856477"/>
-            <a:ext cx="835010" cy="369332"/>
-          </a:xfrm>
-          <a:prstGeom prst="rect">
-            <a:avLst/>
-          </a:prstGeom>
-          <a:solidFill>
-            <a:schemeClr val="bg1"/>
-          </a:solidFill>
-        </p:spPr>
-        <p:txBody>
-          <a:bodyPr wrap="square" rtlCol="0">
-            <a:spAutoFit/>
-          </a:bodyPr>
-          <a:lstStyle/>
-          <a:p>
-            <a:pPr algn="ctr"/>
-            <a:r>
-              <a:rPr lang="en-US" sz="900" b="1" dirty="0">
-                <a:solidFill>
-                  <a:srgbClr val="C0C0C0"/>
-                </a:solidFill>
-              </a:rPr>
-              <a:t>Composite Volcano</a:t>
-            </a:r>
-          </a:p>
-        </p:txBody>
-      </p:sp>
-      <p:pic>
-        <p:nvPicPr>
-          <p:cNvPr id="39" name="Picture 38" descr="A screenshot of a computer&#10;&#10;AI-generated content may be incorrect.">
-            <a:extLst>
-              <a:ext uri="{FF2B5EF4-FFF2-40B4-BE49-F238E27FC236}">
-                <a16:creationId xmlns:a16="http://schemas.microsoft.com/office/drawing/2014/main" id="{6C75ECB7-161B-E343-0A4B-64A075F7BA91}"/>
-              </a:ext>
-            </a:extLst>
-          </p:cNvPr>
-          <p:cNvPicPr>
-            <a:picLocks noChangeAspect="1"/>
-          </p:cNvPicPr>
-          <p:nvPr/>
-        </p:nvPicPr>
-        <p:blipFill>
-          <a:blip r:embed="rId4"/>
-          <a:srcRect l="932" t="1262" r="923" b="1650"/>
-          <a:stretch/>
-        </p:blipFill>
-        <p:spPr>
-          <a:xfrm>
-            <a:off x="63618" y="4900448"/>
-            <a:ext cx="6730761" cy="3329152"/>
-          </a:xfrm>
-          <a:prstGeom prst="rect">
-            <a:avLst/>
-          </a:prstGeom>
-        </p:spPr>
-      </p:pic>
-      <p:pic>
-        <p:nvPicPr>
-          <p:cNvPr id="2" name="Graphic 1" descr="Volcano with solid fill">
-            <a:extLst>
-              <a:ext uri="{FF2B5EF4-FFF2-40B4-BE49-F238E27FC236}">
-                <a16:creationId xmlns:a16="http://schemas.microsoft.com/office/drawing/2014/main" id="{04E7F65C-0ECD-2AB4-14CD-4C8A97A4947B}"/>
+                <a16:creationId xmlns:a16="http://schemas.microsoft.com/office/drawing/2014/main" id="{BD5C56D5-5A2D-AC67-FAF4-79EAE5A9BCC9}"/>
               </a:ext>
             </a:extLst>
           </p:cNvPr>
@@ -3680,20 +3676,61 @@
         </p:blipFill>
         <p:spPr>
           <a:xfrm>
-            <a:off x="2734728" y="2836698"/>
-            <a:ext cx="358263" cy="358263"/>
+            <a:off x="4647263" y="3197926"/>
+            <a:ext cx="500180" cy="500180"/>
           </a:xfrm>
           <a:prstGeom prst="rect">
             <a:avLst/>
           </a:prstGeom>
         </p:spPr>
       </p:pic>
+      <p:sp>
+        <p:nvSpPr>
+          <p:cNvPr id="13" name="TextBox 12">
+            <a:extLst>
+              <a:ext uri="{FF2B5EF4-FFF2-40B4-BE49-F238E27FC236}">
+                <a16:creationId xmlns:a16="http://schemas.microsoft.com/office/drawing/2014/main" id="{46D55F73-8C7A-3CA0-F534-A135CA0EB871}"/>
+              </a:ext>
+            </a:extLst>
+          </p:cNvPr>
+          <p:cNvSpPr txBox="1"/>
+          <p:nvPr/>
+        </p:nvSpPr>
+        <p:spPr>
+          <a:xfrm>
+            <a:off x="5098419" y="5843890"/>
+            <a:ext cx="2292980" cy="246221"/>
+          </a:xfrm>
+          <a:prstGeom prst="rect">
+            <a:avLst/>
+          </a:prstGeom>
+          <a:noFill/>
+        </p:spPr>
+        <p:txBody>
+          <a:bodyPr wrap="square" rtlCol="0">
+            <a:spAutoFit/>
+          </a:bodyPr>
+          <a:lstStyle/>
+          <a:p>
+            <a:pPr algn="ctr"/>
+            <a:r>
+              <a:rPr lang="en-US" sz="1000" b="1" dirty="0">
+                <a:solidFill>
+                  <a:srgbClr val="FEB817"/>
+                </a:solidFill>
+                <a:latin typeface=""/>
+              </a:rPr>
+              <a:t>Other 11%</a:t>
+            </a:r>
+          </a:p>
+        </p:txBody>
+      </p:sp>
       <p:pic>
         <p:nvPicPr>
-          <p:cNvPr id="3" name="Graphic 2" descr="Volcano with solid fill">
+          <p:cNvPr id="22" name="Picture 21" descr="A yellow circle with a black circle&#10;&#10;AI-generated content may be incorrect.">
             <a:extLst>
               <a:ext uri="{FF2B5EF4-FFF2-40B4-BE49-F238E27FC236}">
-                <a16:creationId xmlns:a16="http://schemas.microsoft.com/office/drawing/2014/main" id="{3F35CC5F-5944-DC7A-3376-DCDD7557477A}"/>
+                <a16:creationId xmlns:a16="http://schemas.microsoft.com/office/drawing/2014/main" id="{859C214D-61FC-2CB5-52F8-F5B551C34B09}"/>
               </a:ext>
             </a:extLst>
           </p:cNvPr>
@@ -3703,192 +3740,20 @@
           <p:nvPr/>
         </p:nvPicPr>
         <p:blipFill>
-          <a:blip r:embed="rId7">
-            <a:extLst>
-              <a:ext uri="{96DAC541-7B7A-43D3-8B79-37D633B846F1}">
-                <asvg:svgBlip xmlns:asvg="http://schemas.microsoft.com/office/drawing/2016/SVG/main" r:embed="rId8"/>
-              </a:ext>
-            </a:extLst>
-          </a:blip>
-          <a:stretch>
-            <a:fillRect/>
-          </a:stretch>
+          <a:blip r:embed="rId7"/>
+          <a:srcRect l="8528" r="8652"/>
+          <a:stretch/>
         </p:blipFill>
         <p:spPr>
           <a:xfrm>
-            <a:off x="4886277" y="6587099"/>
-            <a:ext cx="600123" cy="600123"/>
+            <a:off x="4845615" y="5781299"/>
+            <a:ext cx="2000503" cy="2415509"/>
           </a:xfrm>
           <a:prstGeom prst="rect">
             <a:avLst/>
           </a:prstGeom>
         </p:spPr>
       </p:pic>
-      <p:pic>
-        <p:nvPicPr>
-          <p:cNvPr id="7" name="Picture 6" descr="A yellow circle with a black circle&#10;&#10;AI-generated content may be incorrect.">
-            <a:extLst>
-              <a:ext uri="{FF2B5EF4-FFF2-40B4-BE49-F238E27FC236}">
-                <a16:creationId xmlns:a16="http://schemas.microsoft.com/office/drawing/2014/main" id="{7BB24B5B-A53A-FAE8-1420-A27321FFF15B}"/>
-              </a:ext>
-            </a:extLst>
-          </p:cNvPr>
-          <p:cNvPicPr>
-            <a:picLocks noChangeAspect="1"/>
-          </p:cNvPicPr>
-          <p:nvPr/>
-        </p:nvPicPr>
-        <p:blipFill>
-          <a:blip r:embed="rId9"/>
-          <a:stretch>
-            <a:fillRect/>
-          </a:stretch>
-        </p:blipFill>
-        <p:spPr>
-          <a:xfrm>
-            <a:off x="4507853" y="5936553"/>
-            <a:ext cx="2126394" cy="2126394"/>
-          </a:xfrm>
-          <a:prstGeom prst="rect">
-            <a:avLst/>
-          </a:prstGeom>
-        </p:spPr>
-      </p:pic>
-      <p:sp>
-        <p:nvSpPr>
-          <p:cNvPr id="45" name="TextBox 44">
-            <a:extLst>
-              <a:ext uri="{FF2B5EF4-FFF2-40B4-BE49-F238E27FC236}">
-                <a16:creationId xmlns:a16="http://schemas.microsoft.com/office/drawing/2014/main" id="{711A370A-61AF-B426-4A59-920AB081DCED}"/>
-              </a:ext>
-            </a:extLst>
-          </p:cNvPr>
-          <p:cNvSpPr txBox="1"/>
-          <p:nvPr/>
-        </p:nvSpPr>
-        <p:spPr>
-          <a:xfrm>
-            <a:off x="5908734" y="5942784"/>
-            <a:ext cx="805579" cy="400110"/>
-          </a:xfrm>
-          <a:prstGeom prst="rect">
-            <a:avLst/>
-          </a:prstGeom>
-          <a:noFill/>
-        </p:spPr>
-        <p:txBody>
-          <a:bodyPr wrap="square" rtlCol="0">
-            <a:spAutoFit/>
-          </a:bodyPr>
-          <a:lstStyle/>
-          <a:p>
-            <a:pPr algn="ctr"/>
-            <a:r>
-              <a:rPr lang="en-US" sz="1000" b="1" dirty="0">
-                <a:solidFill>
-                  <a:srgbClr val="808080"/>
-                </a:solidFill>
-                <a:latin typeface=""/>
-              </a:rPr>
-              <a:t>Intraplate 7%</a:t>
-            </a:r>
-          </a:p>
-        </p:txBody>
-      </p:sp>
-      <p:sp>
-        <p:nvSpPr>
-          <p:cNvPr id="46" name="TextBox 45">
-            <a:extLst>
-              <a:ext uri="{FF2B5EF4-FFF2-40B4-BE49-F238E27FC236}">
-                <a16:creationId xmlns:a16="http://schemas.microsoft.com/office/drawing/2014/main" id="{33FB80CC-1C80-4C35-5299-EFA43CBCBA25}"/>
-              </a:ext>
-            </a:extLst>
-          </p:cNvPr>
-          <p:cNvSpPr txBox="1"/>
-          <p:nvPr/>
-        </p:nvSpPr>
-        <p:spPr>
-          <a:xfrm>
-            <a:off x="6159934" y="6271866"/>
-            <a:ext cx="805579" cy="400110"/>
-          </a:xfrm>
-          <a:prstGeom prst="rect">
-            <a:avLst/>
-          </a:prstGeom>
-          <a:noFill/>
-        </p:spPr>
-        <p:txBody>
-          <a:bodyPr wrap="square" rtlCol="0">
-            <a:spAutoFit/>
-          </a:bodyPr>
-          <a:lstStyle/>
-          <a:p>
-            <a:pPr algn="ctr"/>
-            <a:r>
-              <a:rPr lang="en-US" sz="1000" b="1" dirty="0">
-                <a:solidFill>
-                  <a:srgbClr val="808080"/>
-                </a:solidFill>
-                <a:latin typeface=""/>
-              </a:rPr>
-              <a:t>Rift Zone </a:t>
-            </a:r>
-          </a:p>
-          <a:p>
-            <a:pPr algn="ctr"/>
-            <a:r>
-              <a:rPr lang="en-US" sz="1000" b="1" dirty="0">
-                <a:solidFill>
-                  <a:srgbClr val="808080"/>
-                </a:solidFill>
-                <a:latin typeface=""/>
-              </a:rPr>
-              <a:t>4%</a:t>
-            </a:r>
-          </a:p>
-        </p:txBody>
-      </p:sp>
-      <p:sp>
-        <p:nvSpPr>
-          <p:cNvPr id="44" name="TextBox 43">
-            <a:extLst>
-              <a:ext uri="{FF2B5EF4-FFF2-40B4-BE49-F238E27FC236}">
-                <a16:creationId xmlns:a16="http://schemas.microsoft.com/office/drawing/2014/main" id="{831C6A2F-0119-C5F4-F6CB-FE1A2C462460}"/>
-              </a:ext>
-            </a:extLst>
-          </p:cNvPr>
-          <p:cNvSpPr txBox="1"/>
-          <p:nvPr/>
-        </p:nvSpPr>
-        <p:spPr>
-          <a:xfrm>
-            <a:off x="4409067" y="7888937"/>
-            <a:ext cx="2292980" cy="246221"/>
-          </a:xfrm>
-          <a:prstGeom prst="rect">
-            <a:avLst/>
-          </a:prstGeom>
-          <a:noFill/>
-        </p:spPr>
-        <p:txBody>
-          <a:bodyPr wrap="square" rtlCol="0">
-            <a:spAutoFit/>
-          </a:bodyPr>
-          <a:lstStyle/>
-          <a:p>
-            <a:pPr algn="ctr"/>
-            <a:r>
-              <a:rPr lang="en-US" sz="1000" b="1" dirty="0">
-                <a:solidFill>
-                  <a:srgbClr val="FEB817"/>
-                </a:solidFill>
-                <a:latin typeface=""/>
-              </a:rPr>
-              <a:t>Subduction Zone 89% </a:t>
-            </a:r>
-          </a:p>
-        </p:txBody>
-      </p:sp>
       <p:sp>
         <p:nvSpPr>
           <p:cNvPr id="15" name="TextBox 14">
@@ -4071,10 +3936,10 @@
       </p:sp>
       <p:sp>
         <p:nvSpPr>
-          <p:cNvPr id="8" name="TextBox 7">
+          <p:cNvPr id="44" name="TextBox 43">
             <a:extLst>
               <a:ext uri="{FF2B5EF4-FFF2-40B4-BE49-F238E27FC236}">
-                <a16:creationId xmlns:a16="http://schemas.microsoft.com/office/drawing/2014/main" id="{F051827D-89CF-A804-3049-09B5398475CF}"/>
+                <a16:creationId xmlns:a16="http://schemas.microsoft.com/office/drawing/2014/main" id="{831C6A2F-0119-C5F4-F6CB-FE1A2C462460}"/>
               </a:ext>
             </a:extLst>
           </p:cNvPr>
@@ -4083,8 +3948,8 @@
         </p:nvSpPr>
         <p:spPr>
           <a:xfrm>
-            <a:off x="4691996" y="5637404"/>
-            <a:ext cx="2130335" cy="369332"/>
+            <a:off x="4699376" y="7979770"/>
+            <a:ext cx="2292980" cy="230832"/>
           </a:xfrm>
           <a:prstGeom prst="rect">
             <a:avLst/>
@@ -4097,6 +3962,48 @@
           </a:bodyPr>
           <a:lstStyle/>
           <a:p>
+            <a:pPr algn="ctr"/>
+            <a:r>
+              <a:rPr lang="en-US" sz="900" b="1" dirty="0">
+                <a:solidFill>
+                  <a:srgbClr val="FEB817"/>
+                </a:solidFill>
+                <a:latin typeface=""/>
+              </a:rPr>
+              <a:t>Subduction Zone 89% </a:t>
+            </a:r>
+          </a:p>
+        </p:txBody>
+      </p:sp>
+      <p:sp>
+        <p:nvSpPr>
+          <p:cNvPr id="23" name="TextBox 22">
+            <a:extLst>
+              <a:ext uri="{FF2B5EF4-FFF2-40B4-BE49-F238E27FC236}">
+                <a16:creationId xmlns:a16="http://schemas.microsoft.com/office/drawing/2014/main" id="{5ED65ADC-09E6-3614-2157-2BC326AF76BF}"/>
+              </a:ext>
+            </a:extLst>
+          </p:cNvPr>
+          <p:cNvSpPr txBox="1"/>
+          <p:nvPr/>
+        </p:nvSpPr>
+        <p:spPr>
+          <a:xfrm>
+            <a:off x="6025391" y="5991796"/>
+            <a:ext cx="891567" cy="230832"/>
+          </a:xfrm>
+          <a:prstGeom prst="rect">
+            <a:avLst/>
+          </a:prstGeom>
+          <a:noFill/>
+        </p:spPr>
+        <p:txBody>
+          <a:bodyPr wrap="square" rtlCol="0">
+            <a:spAutoFit/>
+          </a:bodyPr>
+          <a:lstStyle/>
+          <a:p>
+            <a:pPr algn="ctr"/>
             <a:r>
               <a:rPr lang="en-US" sz="900" b="1" dirty="0">
                 <a:solidFill>
@@ -4104,7 +4011,128 @@
                 </a:solidFill>
                 <a:latin typeface=""/>
               </a:rPr>
-              <a:t>Composite Volcanoes Primarily Form in Subduction Zones</a:t>
+              <a:t>Other 11%</a:t>
+            </a:r>
+          </a:p>
+        </p:txBody>
+      </p:sp>
+      <p:sp>
+        <p:nvSpPr>
+          <p:cNvPr id="24" name="TextBox 23">
+            <a:extLst>
+              <a:ext uri="{FF2B5EF4-FFF2-40B4-BE49-F238E27FC236}">
+                <a16:creationId xmlns:a16="http://schemas.microsoft.com/office/drawing/2014/main" id="{7D074352-C516-0264-2A21-24FF67D4B832}"/>
+              </a:ext>
+            </a:extLst>
+          </p:cNvPr>
+          <p:cNvSpPr txBox="1"/>
+          <p:nvPr/>
+        </p:nvSpPr>
+        <p:spPr>
+          <a:xfrm>
+            <a:off x="4478400" y="5577397"/>
+            <a:ext cx="2367718" cy="407804"/>
+          </a:xfrm>
+          <a:prstGeom prst="rect">
+            <a:avLst/>
+          </a:prstGeom>
+          <a:solidFill>
+            <a:schemeClr val="bg1"/>
+          </a:solidFill>
+        </p:spPr>
+        <p:txBody>
+          <a:bodyPr wrap="square" rtlCol="0">
+            <a:spAutoFit/>
+          </a:bodyPr>
+          <a:lstStyle/>
+          <a:p>
+            <a:pPr algn="r"/>
+            <a:r>
+              <a:rPr lang="en-US" sz="1000" b="1" dirty="0">
+                <a:solidFill>
+                  <a:srgbClr val="C0C0C0"/>
+                </a:solidFill>
+                <a:latin typeface=""/>
+              </a:rPr>
+              <a:t>Composite Volcanoes Primarily Form </a:t>
+            </a:r>
+            <a:r>
+              <a:rPr lang="en-US" sz="1050" b="1" dirty="0">
+                <a:solidFill>
+                  <a:srgbClr val="C0C0C0"/>
+                </a:solidFill>
+                <a:latin typeface=""/>
+              </a:rPr>
+              <a:t>in</a:t>
+            </a:r>
+            <a:r>
+              <a:rPr lang="en-US" sz="1000" b="1" dirty="0">
+                <a:solidFill>
+                  <a:srgbClr val="C0C0C0"/>
+                </a:solidFill>
+                <a:latin typeface=""/>
+              </a:rPr>
+              <a:t> Subduction Zones </a:t>
+            </a:r>
+          </a:p>
+        </p:txBody>
+      </p:sp>
+      <p:sp>
+        <p:nvSpPr>
+          <p:cNvPr id="38" name="TextBox 37">
+            <a:extLst>
+              <a:ext uri="{FF2B5EF4-FFF2-40B4-BE49-F238E27FC236}">
+                <a16:creationId xmlns:a16="http://schemas.microsoft.com/office/drawing/2014/main" id="{81BBD5A7-763E-BB10-10A9-C64F061D77D9}"/>
+              </a:ext>
+            </a:extLst>
+          </p:cNvPr>
+          <p:cNvSpPr txBox="1"/>
+          <p:nvPr/>
+        </p:nvSpPr>
+        <p:spPr>
+          <a:xfrm>
+            <a:off x="79825" y="4931029"/>
+            <a:ext cx="4410456" cy="253916"/>
+          </a:xfrm>
+          <a:prstGeom prst="rect">
+            <a:avLst/>
+          </a:prstGeom>
+          <a:solidFill>
+            <a:schemeClr val="bg1"/>
+          </a:solidFill>
+        </p:spPr>
+        <p:txBody>
+          <a:bodyPr wrap="square" rtlCol="0">
+            <a:spAutoFit/>
+          </a:bodyPr>
+          <a:lstStyle/>
+          <a:p>
+            <a:r>
+              <a:rPr lang="en-US" sz="1000" b="1" dirty="0">
+                <a:solidFill>
+                  <a:srgbClr val="C0C0C0"/>
+                </a:solidFill>
+                <a:latin typeface=""/>
+              </a:rPr>
+              <a:t>Composite Volcanoes Are Primarily </a:t>
+            </a:r>
+            <a:r>
+              <a:rPr lang="en-US" sz="1050" b="1" dirty="0">
+                <a:solidFill>
+                  <a:srgbClr val="C0C0C0"/>
+                </a:solidFill>
+                <a:latin typeface=""/>
+              </a:rPr>
+              <a:t>Andesitic</a:t>
+            </a:r>
+            <a:r>
+              <a:rPr lang="en-US" sz="1000" b="1" dirty="0">
+                <a:solidFill>
+                  <a:srgbClr val="C0C0C0"/>
+                </a:solidFill>
+                <a:latin typeface=""/>
+              </a:rPr>
+              <a:t> </a:t>
             </a:r>
           </a:p>
         </p:txBody>

--- a/posts/2025-03-09-data-vis-infographic/www/volc_viz.pptx
+++ b/posts/2025-03-09-data-vis-infographic/www/volc_viz.pptx
@@ -3341,13 +3341,13 @@
         </p:nvPicPr>
         <p:blipFill>
           <a:blip r:embed="rId2"/>
-          <a:srcRect t="610"/>
+          <a:srcRect l="-1" t="610" r="1160" b="3272"/>
           <a:stretch/>
         </p:blipFill>
         <p:spPr>
           <a:xfrm>
-            <a:off x="-11882" y="4992791"/>
-            <a:ext cx="6858000" cy="3236878"/>
+            <a:off x="-11882" y="4992792"/>
+            <a:ext cx="6869882" cy="3236808"/>
           </a:xfrm>
           <a:prstGeom prst="rect">
             <a:avLst/>
